--- a/PPT/04.자바스크립트 - 클로저.pptx
+++ b/PPT/04.자바스크립트 - 클로저.pptx
@@ -12678,7 +12678,7 @@
           <p:nvPr>
             <p:extLst>
               <p:ext uri="{D42A27DB-BD31-4B8C-83A1-F6EECF244321}">
-                <p14:modId xmlns:p14="http://schemas.microsoft.com/office/powerpoint/2010/main" val="1959513836"/>
+                <p14:modId xmlns:p14="http://schemas.microsoft.com/office/powerpoint/2010/main" val="1847444273"/>
               </p:ext>
             </p:extLst>
           </p:nvPr>
@@ -13006,7 +13006,7 @@
           <p:nvPr>
             <p:extLst>
               <p:ext uri="{D42A27DB-BD31-4B8C-83A1-F6EECF244321}">
-                <p14:modId xmlns:p14="http://schemas.microsoft.com/office/powerpoint/2010/main" val="3281757306"/>
+                <p14:modId xmlns:p14="http://schemas.microsoft.com/office/powerpoint/2010/main" val="1739377771"/>
               </p:ext>
             </p:extLst>
           </p:nvPr>

--- a/PPT/04.자바스크립트 - 클로저.pptx
+++ b/PPT/04.자바스크립트 - 클로저.pptx
@@ -7215,7 +7215,7 @@
             <a:fld id="{C5EB0431-1611-1744-95F0-8172773087C5}" type="datetimeFigureOut">
               <a:rPr lang="en-US" altLang="ko-Kore-KR" smtClean="0"/>
               <a:pPr/>
-              <a:t>4/24/2025</a:t>
+              <a:t>4/25/2025</a:t>
             </a:fld>
             <a:endParaRPr lang="ko-Kore-KR"/>
           </a:p>
@@ -7635,7 +7635,7 @@
           <a:p>
             <a:fld id="{5FD0AF26-B2D6-41C9-847A-12B3D1677265}" type="datetime1">
               <a:rPr kumimoji="1" lang="ko-KR" altLang="en-US" smtClean="0"/>
-              <a:t>2025-04-24</a:t>
+              <a:t>2025-04-25</a:t>
             </a:fld>
             <a:endParaRPr kumimoji="1" lang="ko-KR" altLang="en-US"/>
           </a:p>
@@ -7833,7 +7833,7 @@
           <a:p>
             <a:fld id="{11A845FB-4EAB-4F93-BE87-891FAC391B0C}" type="datetime1">
               <a:rPr kumimoji="1" lang="ko-KR" altLang="en-US" smtClean="0"/>
-              <a:t>2025-04-24</a:t>
+              <a:t>2025-04-25</a:t>
             </a:fld>
             <a:endParaRPr kumimoji="1" lang="ko-KR" altLang="en-US"/>
           </a:p>
@@ -8041,7 +8041,7 @@
           <a:p>
             <a:fld id="{6597FBCF-59BC-423C-A27E-A4E0342EEDF5}" type="datetime1">
               <a:rPr kumimoji="1" lang="ko-KR" altLang="en-US" smtClean="0"/>
-              <a:t>2025-04-24</a:t>
+              <a:t>2025-04-25</a:t>
             </a:fld>
             <a:endParaRPr kumimoji="1" lang="ko-KR" altLang="en-US"/>
           </a:p>
@@ -8239,7 +8239,7 @@
           <a:p>
             <a:fld id="{59DE6E8A-4C0D-4CC6-BBD6-2F945A6B3540}" type="datetime1">
               <a:rPr kumimoji="1" lang="ko-KR" altLang="en-US" smtClean="0"/>
-              <a:t>2025-04-24</a:t>
+              <a:t>2025-04-25</a:t>
             </a:fld>
             <a:endParaRPr kumimoji="1" lang="ko-KR" altLang="en-US"/>
           </a:p>
@@ -8514,7 +8514,7 @@
           <a:p>
             <a:fld id="{BEBFBD75-CCBA-4C22-86CA-859D220600AA}" type="datetime1">
               <a:rPr kumimoji="1" lang="ko-KR" altLang="en-US" smtClean="0"/>
-              <a:t>2025-04-24</a:t>
+              <a:t>2025-04-25</a:t>
             </a:fld>
             <a:endParaRPr kumimoji="1" lang="ko-KR" altLang="en-US"/>
           </a:p>
@@ -8779,7 +8779,7 @@
           <a:p>
             <a:fld id="{DB031150-5CB0-41C0-9104-5695DD253F49}" type="datetime1">
               <a:rPr kumimoji="1" lang="ko-KR" altLang="en-US" smtClean="0"/>
-              <a:t>2025-04-24</a:t>
+              <a:t>2025-04-25</a:t>
             </a:fld>
             <a:endParaRPr kumimoji="1" lang="ko-KR" altLang="en-US"/>
           </a:p>
@@ -9191,7 +9191,7 @@
           <a:p>
             <a:fld id="{0B78CFAD-1435-498E-ACFE-38131B135631}" type="datetime1">
               <a:rPr kumimoji="1" lang="ko-KR" altLang="en-US" smtClean="0"/>
-              <a:t>2025-04-24</a:t>
+              <a:t>2025-04-25</a:t>
             </a:fld>
             <a:endParaRPr kumimoji="1" lang="ko-KR" altLang="en-US"/>
           </a:p>
@@ -9332,7 +9332,7 @@
           <a:p>
             <a:fld id="{BF2AA6DB-F13D-4C47-BC2B-E1D25CB476ED}" type="datetime1">
               <a:rPr kumimoji="1" lang="ko-KR" altLang="en-US" smtClean="0"/>
-              <a:t>2025-04-24</a:t>
+              <a:t>2025-04-25</a:t>
             </a:fld>
             <a:endParaRPr kumimoji="1" lang="ko-KR" altLang="en-US"/>
           </a:p>
@@ -9445,7 +9445,7 @@
           <a:p>
             <a:fld id="{14FBB438-2880-4761-94BA-7F7996C8C3BD}" type="datetime1">
               <a:rPr kumimoji="1" lang="ko-KR" altLang="en-US" smtClean="0"/>
-              <a:t>2025-04-24</a:t>
+              <a:t>2025-04-25</a:t>
             </a:fld>
             <a:endParaRPr kumimoji="1" lang="ko-KR" altLang="en-US"/>
           </a:p>
@@ -9756,7 +9756,7 @@
           <a:p>
             <a:fld id="{C4D9C33D-E09A-4F6E-A7FA-CF959C3E6DEE}" type="datetime1">
               <a:rPr kumimoji="1" lang="ko-KR" altLang="en-US" smtClean="0"/>
-              <a:t>2025-04-24</a:t>
+              <a:t>2025-04-25</a:t>
             </a:fld>
             <a:endParaRPr kumimoji="1" lang="ko-KR" altLang="en-US"/>
           </a:p>
@@ -10044,7 +10044,7 @@
           <a:p>
             <a:fld id="{DB10E3DE-CCA8-4CB9-BDA2-4741B0CD6641}" type="datetime1">
               <a:rPr kumimoji="1" lang="ko-KR" altLang="en-US" smtClean="0"/>
-              <a:t>2025-04-24</a:t>
+              <a:t>2025-04-25</a:t>
             </a:fld>
             <a:endParaRPr kumimoji="1" lang="ko-KR" altLang="en-US"/>
           </a:p>
@@ -10287,7 +10287,7 @@
           <a:p>
             <a:fld id="{827CA893-2A65-4E72-A022-7CB16F3818A4}" type="datetime1">
               <a:rPr kumimoji="1" lang="ko-KR" altLang="en-US" smtClean="0"/>
-              <a:t>2025-04-24</a:t>
+              <a:t>2025-04-25</a:t>
             </a:fld>
             <a:endParaRPr kumimoji="1" lang="ko-KR" altLang="en-US"/>
           </a:p>
@@ -16739,21 +16739,21 @@
           <p:nvPr>
             <p:extLst>
               <p:ext uri="{D42A27DB-BD31-4B8C-83A1-F6EECF244321}">
-                <p14:modId xmlns:p14="http://schemas.microsoft.com/office/powerpoint/2010/main" val="3761476100"/>
+                <p14:modId xmlns:p14="http://schemas.microsoft.com/office/powerpoint/2010/main" val="4069972468"/>
               </p:ext>
             </p:extLst>
           </p:nvPr>
         </p:nvGraphicFramePr>
         <p:xfrm>
           <a:off x="1809115" y="1924040"/>
-          <a:ext cx="6003234" cy="3665200"/>
+          <a:ext cx="7267152" cy="3665200"/>
         </p:xfrm>
         <a:graphic>
           <a:graphicData uri="http://schemas.openxmlformats.org/drawingml/2006/table">
             <a:tbl>
               <a:tblPr/>
               <a:tblGrid>
-                <a:gridCol w="6003234">
+                <a:gridCol w="7267152">
                   <a:extLst>
                     <a:ext uri="{9D8B030D-6E8A-4147-A177-3AD203B41FA5}">
                       <a16:colId xmlns:a16="http://schemas.microsoft.com/office/drawing/2014/main" val="20000"/>
@@ -17066,7 +17066,27 @@
                           <a:latin typeface="Consolas" panose="020B0609020204030204" pitchFamily="49" charset="0"/>
                           <a:cs typeface="Times New Roman"/>
                         </a:rPr>
-                        <a:t> = $(</a:t>
+                        <a:t> </a:t>
+                      </a:r>
+                      <a:r>
+                        <a:rPr lang="en-US" sz="1600" kern="0">
+                          <a:solidFill>
+                            <a:srgbClr val="000000"/>
+                          </a:solidFill>
+                          <a:latin typeface="Consolas" panose="020B0609020204030204" pitchFamily="49" charset="0"/>
+                          <a:cs typeface="Times New Roman"/>
+                        </a:rPr>
+                        <a:t>= document.querySelectorAll(</a:t>
+                      </a:r>
+                      <a:r>
+                        <a:rPr lang="en-US" sz="1600" kern="0">
+                          <a:solidFill>
+                            <a:srgbClr val="2A00FF"/>
+                          </a:solidFill>
+                          <a:latin typeface="Consolas" panose="020B0609020204030204" pitchFamily="49" charset="0"/>
+                          <a:cs typeface="Times New Roman"/>
+                        </a:rPr>
+                        <a:t>"</a:t>
                       </a:r>
                       <a:r>
                         <a:rPr lang="en-US" sz="1600" kern="0" dirty="0">
@@ -17076,7 +17096,7 @@
                           <a:latin typeface="Consolas" panose="020B0609020204030204" pitchFamily="49" charset="0"/>
                           <a:cs typeface="Times New Roman"/>
                         </a:rPr>
-                        <a:t>"button"</a:t>
+                        <a:t>button"</a:t>
                       </a:r>
                       <a:r>
                         <a:rPr lang="en-US" sz="1600" kern="0" dirty="0">
@@ -17138,7 +17158,7 @@
                           <a:latin typeface="Consolas" panose="020B0609020204030204" pitchFamily="49" charset="0"/>
                           <a:ea typeface="Noto Sans CJK KR Regular" panose="020B0500000000000000" pitchFamily="34" charset="-127"/>
                         </a:rPr>
-                        <a:t>let</a:t>
+                        <a:t>var</a:t>
                       </a:r>
                       <a:r>
                         <a:rPr lang="en-US" sz="1600" kern="0">
@@ -17599,21 +17619,21 @@
           <p:nvPr>
             <p:extLst>
               <p:ext uri="{D42A27DB-BD31-4B8C-83A1-F6EECF244321}">
-                <p14:modId xmlns:p14="http://schemas.microsoft.com/office/powerpoint/2010/main" val="319587772"/>
+                <p14:modId xmlns:p14="http://schemas.microsoft.com/office/powerpoint/2010/main" val="1349180867"/>
               </p:ext>
             </p:extLst>
           </p:nvPr>
         </p:nvGraphicFramePr>
         <p:xfrm>
-          <a:off x="1809114" y="1924040"/>
-          <a:ext cx="6003235" cy="3672408"/>
+          <a:off x="1809114" y="1929965"/>
+          <a:ext cx="7267153" cy="3672408"/>
         </p:xfrm>
         <a:graphic>
           <a:graphicData uri="http://schemas.openxmlformats.org/drawingml/2006/table">
             <a:tbl>
               <a:tblPr/>
               <a:tblGrid>
-                <a:gridCol w="6003235">
+                <a:gridCol w="7267153">
                   <a:extLst>
                     <a:ext uri="{9D8B030D-6E8A-4147-A177-3AD203B41FA5}">
                       <a16:colId xmlns:a16="http://schemas.microsoft.com/office/drawing/2014/main" val="20000"/>
@@ -17896,20 +17916,10 @@
                           <a:latin typeface="Consolas" panose="020B0609020204030204" pitchFamily="49" charset="0"/>
                           <a:cs typeface="Times New Roman"/>
                         </a:rPr>
-                        <a:t> btn </a:t>
+                        <a:t> btn = document.querySelectorAll(</a:t>
                       </a:r>
                       <a:r>
-                        <a:rPr lang="en-US" sz="1600" kern="0" dirty="0">
-                          <a:solidFill>
-                            <a:srgbClr val="000000"/>
-                          </a:solidFill>
-                          <a:latin typeface="Consolas" panose="020B0609020204030204" pitchFamily="49" charset="0"/>
-                          <a:cs typeface="Times New Roman"/>
-                        </a:rPr>
-                        <a:t>= $(</a:t>
-                      </a:r>
-                      <a:r>
-                        <a:rPr lang="en-US" sz="1600" kern="0" dirty="0">
+                        <a:rPr lang="en-US" sz="1600" kern="0">
                           <a:solidFill>
                             <a:srgbClr val="2A00FF"/>
                           </a:solidFill>
@@ -17919,7 +17929,7 @@
                         <a:t>"button"</a:t>
                       </a:r>
                       <a:r>
-                        <a:rPr lang="en-US" sz="1600" kern="0" dirty="0">
+                        <a:rPr lang="en-US" sz="1600" kern="0">
                           <a:solidFill>
                             <a:srgbClr val="000000"/>
                           </a:solidFill>
@@ -17928,7 +17938,7 @@
                         </a:rPr>
                         <a:t>);</a:t>
                       </a:r>
-                      <a:endParaRPr lang="ko-KR" sz="1600" kern="100" dirty="0">
+                      <a:endParaRPr lang="ko-KR" sz="1600" kern="100">
                         <a:latin typeface="Consolas" panose="020B0609020204030204" pitchFamily="49" charset="0"/>
                         <a:cs typeface="Times New Roman"/>
                       </a:endParaRPr>
@@ -17978,7 +17988,7 @@
                           <a:latin typeface="Consolas" panose="020B0609020204030204" pitchFamily="49" charset="0"/>
                           <a:ea typeface="Noto Sans CJK KR Regular" panose="020B0500000000000000" pitchFamily="34" charset="-127"/>
                         </a:rPr>
-                        <a:t>let</a:t>
+                        <a:t>var</a:t>
                       </a:r>
                       <a:r>
                         <a:rPr lang="en-US" sz="1600" kern="0">
@@ -18008,7 +18018,17 @@
                           <a:latin typeface="Consolas" panose="020B0609020204030204" pitchFamily="49" charset="0"/>
                           <a:cs typeface="Times New Roman"/>
                         </a:rPr>
-                        <a:t>=0; </a:t>
+                        <a:t>=</a:t>
+                      </a:r>
+                      <a:r>
+                        <a:rPr lang="en-US" sz="1600" kern="0">
+                          <a:solidFill>
+                            <a:srgbClr val="000000"/>
+                          </a:solidFill>
+                          <a:latin typeface="Consolas" panose="020B0609020204030204" pitchFamily="49" charset="0"/>
+                          <a:cs typeface="Times New Roman"/>
+                        </a:rPr>
+                        <a:t>0; </a:t>
                       </a:r>
                       <a:r>
                         <a:rPr lang="en-US" sz="1600" kern="0" dirty="0" err="1">
@@ -18129,7 +18149,7 @@
                           <a:latin typeface="Consolas" panose="020B0609020204030204" pitchFamily="49" charset="0"/>
                           <a:cs typeface="Times New Roman"/>
                         </a:rPr>
-                        <a:t>		</a:t>
+                        <a:t>		        </a:t>
                       </a:r>
                       <a:r>
                         <a:rPr lang="en-US" sz="1600" kern="0">
